--- a/VKB Gladiator NXT Premium with Separate Throttle and No Head Tracking.pptx
+++ b/VKB Gladiator NXT Premium with Separate Throttle and No Head Tracking.pptx
@@ -104,6 +104,11 @@
       </a:defRPr>
     </a:lvl9pPr>
   </p:defaultTextStyle>
+  <p:extLst>
+    <p:ext uri="{EFAFB233-063F-42B5-8137-9DF3F51BA10A}">
+      <p15:sldGuideLst xmlns:p15="http://schemas.microsoft.com/office/powerpoint/2012/main"/>
+    </p:ext>
+  </p:extLst>
 </p:presentation>
 </file>
 
@@ -3868,7 +3873,7 @@
         </p:nvSpPr>
         <p:spPr>
           <a:xfrm>
-            <a:off x="6121966" y="1035961"/>
+            <a:off x="4893352" y="1169035"/>
             <a:ext cx="979755" cy="215444"/>
           </a:xfrm>
           <a:prstGeom prst="rect">
@@ -4092,13 +4097,13 @@
           <p:nvPr>
             <p:extLst>
               <p:ext uri="{D42A27DB-BD31-4B8C-83A1-F6EECF244321}">
-                <p14:modId xmlns:p14="http://schemas.microsoft.com/office/powerpoint/2010/main" val="2435067035"/>
+                <p14:modId xmlns:p14="http://schemas.microsoft.com/office/powerpoint/2010/main" val="902262933"/>
               </p:ext>
             </p:extLst>
           </p:nvPr>
         </p:nvGraphicFramePr>
         <p:xfrm>
-          <a:off x="2514849" y="1257339"/>
+          <a:off x="2405792" y="1240561"/>
           <a:ext cx="1646089" cy="426720"/>
         </p:xfrm>
         <a:graphic>
@@ -4177,7 +4182,7 @@
         </p:nvCxnSpPr>
         <p:spPr>
           <a:xfrm flipV="1">
-            <a:off x="3337893" y="680469"/>
+            <a:off x="3228836" y="663691"/>
             <a:ext cx="1049471" cy="576870"/>
           </a:xfrm>
           <a:prstGeom prst="line">
